--- a/grafos.pptx
+++ b/grafos.pptx
@@ -6,6 +6,8 @@
   </p:sldMasterIdLst>
   <p:sldIdLst>
     <p:sldId id="256" r:id="rId2"/>
+    <p:sldId id="257" r:id="rId3"/>
+    <p:sldId id="258" r:id="rId4"/>
   </p:sldIdLst>
   <p:sldSz cx="12192000" cy="6858000"/>
   <p:notesSz cx="6858000" cy="9144000"/>
@@ -104,6 +106,11 @@
       </a:defRPr>
     </a:lvl9pPr>
   </p:defaultTextStyle>
+  <p:extLst>
+    <p:ext uri="{EFAFB233-063F-42B5-8137-9DF3F51BA10A}">
+      <p15:sldGuideLst xmlns:p15="http://schemas.microsoft.com/office/powerpoint/2012/main"/>
+    </p:ext>
+  </p:extLst>
 </p:presentation>
 </file>
 
@@ -254,7 +261,7 @@
           <a:p>
             <a:fld id="{3B922BDA-91F3-47B6-8C80-A216B04D16AF}" type="datetimeFigureOut">
               <a:rPr lang="en-US" smtClean="0"/>
-              <a:t>3/3/2020</a:t>
+              <a:t>3/11/2020</a:t>
             </a:fld>
             <a:endParaRPr lang="en-US"/>
           </a:p>
@@ -452,7 +459,7 @@
           <a:p>
             <a:fld id="{3B922BDA-91F3-47B6-8C80-A216B04D16AF}" type="datetimeFigureOut">
               <a:rPr lang="en-US" smtClean="0"/>
-              <a:t>3/3/2020</a:t>
+              <a:t>3/11/2020</a:t>
             </a:fld>
             <a:endParaRPr lang="en-US"/>
           </a:p>
@@ -660,7 +667,7 @@
           <a:p>
             <a:fld id="{3B922BDA-91F3-47B6-8C80-A216B04D16AF}" type="datetimeFigureOut">
               <a:rPr lang="en-US" smtClean="0"/>
-              <a:t>3/3/2020</a:t>
+              <a:t>3/11/2020</a:t>
             </a:fld>
             <a:endParaRPr lang="en-US"/>
           </a:p>
@@ -858,7 +865,7 @@
           <a:p>
             <a:fld id="{3B922BDA-91F3-47B6-8C80-A216B04D16AF}" type="datetimeFigureOut">
               <a:rPr lang="en-US" smtClean="0"/>
-              <a:t>3/3/2020</a:t>
+              <a:t>3/11/2020</a:t>
             </a:fld>
             <a:endParaRPr lang="en-US"/>
           </a:p>
@@ -1133,7 +1140,7 @@
           <a:p>
             <a:fld id="{3B922BDA-91F3-47B6-8C80-A216B04D16AF}" type="datetimeFigureOut">
               <a:rPr lang="en-US" smtClean="0"/>
-              <a:t>3/3/2020</a:t>
+              <a:t>3/11/2020</a:t>
             </a:fld>
             <a:endParaRPr lang="en-US"/>
           </a:p>
@@ -1398,7 +1405,7 @@
           <a:p>
             <a:fld id="{3B922BDA-91F3-47B6-8C80-A216B04D16AF}" type="datetimeFigureOut">
               <a:rPr lang="en-US" smtClean="0"/>
-              <a:t>3/3/2020</a:t>
+              <a:t>3/11/2020</a:t>
             </a:fld>
             <a:endParaRPr lang="en-US"/>
           </a:p>
@@ -1810,7 +1817,7 @@
           <a:p>
             <a:fld id="{3B922BDA-91F3-47B6-8C80-A216B04D16AF}" type="datetimeFigureOut">
               <a:rPr lang="en-US" smtClean="0"/>
-              <a:t>3/3/2020</a:t>
+              <a:t>3/11/2020</a:t>
             </a:fld>
             <a:endParaRPr lang="en-US"/>
           </a:p>
@@ -1951,7 +1958,7 @@
           <a:p>
             <a:fld id="{3B922BDA-91F3-47B6-8C80-A216B04D16AF}" type="datetimeFigureOut">
               <a:rPr lang="en-US" smtClean="0"/>
-              <a:t>3/3/2020</a:t>
+              <a:t>3/11/2020</a:t>
             </a:fld>
             <a:endParaRPr lang="en-US"/>
           </a:p>
@@ -2064,7 +2071,7 @@
           <a:p>
             <a:fld id="{3B922BDA-91F3-47B6-8C80-A216B04D16AF}" type="datetimeFigureOut">
               <a:rPr lang="en-US" smtClean="0"/>
-              <a:t>3/3/2020</a:t>
+              <a:t>3/11/2020</a:t>
             </a:fld>
             <a:endParaRPr lang="en-US"/>
           </a:p>
@@ -2375,7 +2382,7 @@
           <a:p>
             <a:fld id="{3B922BDA-91F3-47B6-8C80-A216B04D16AF}" type="datetimeFigureOut">
               <a:rPr lang="en-US" smtClean="0"/>
-              <a:t>3/3/2020</a:t>
+              <a:t>3/11/2020</a:t>
             </a:fld>
             <a:endParaRPr lang="en-US"/>
           </a:p>
@@ -2663,7 +2670,7 @@
           <a:p>
             <a:fld id="{3B922BDA-91F3-47B6-8C80-A216B04D16AF}" type="datetimeFigureOut">
               <a:rPr lang="en-US" smtClean="0"/>
-              <a:t>3/3/2020</a:t>
+              <a:t>3/11/2020</a:t>
             </a:fld>
             <a:endParaRPr lang="en-US"/>
           </a:p>
@@ -2904,7 +2911,7 @@
           <a:p>
             <a:fld id="{3B922BDA-91F3-47B6-8C80-A216B04D16AF}" type="datetimeFigureOut">
               <a:rPr lang="en-US" smtClean="0"/>
-              <a:t>3/3/2020</a:t>
+              <a:t>3/11/2020</a:t>
             </a:fld>
             <a:endParaRPr lang="en-US"/>
           </a:p>
@@ -4178,6 +4185,2244 @@
 </p:sld>
 </file>
 
+<file path=ppt/slides/slide2.xml><?xml version="1.0" encoding="utf-8"?>
+<p:sld xmlns:a="http://schemas.openxmlformats.org/drawingml/2006/main" xmlns:r="http://schemas.openxmlformats.org/officeDocument/2006/relationships" xmlns:p="http://schemas.openxmlformats.org/presentationml/2006/main">
+  <p:cSld>
+    <p:spTree>
+      <p:nvGrpSpPr>
+        <p:cNvPr id="1" name=""/>
+        <p:cNvGrpSpPr/>
+        <p:nvPr/>
+      </p:nvGrpSpPr>
+      <p:grpSpPr>
+        <a:xfrm>
+          <a:off x="0" y="0"/>
+          <a:ext cx="0" cy="0"/>
+          <a:chOff x="0" y="0"/>
+          <a:chExt cx="0" cy="0"/>
+        </a:xfrm>
+      </p:grpSpPr>
+      <p:sp>
+        <p:nvSpPr>
+          <p:cNvPr id="4" name="Oval 3">
+            <a:extLst>
+              <a:ext uri="{FF2B5EF4-FFF2-40B4-BE49-F238E27FC236}">
+                <a16:creationId xmlns:a16="http://schemas.microsoft.com/office/drawing/2014/main" id="{1C8D67BD-B101-447C-86B7-6AD47FF42FA1}"/>
+              </a:ext>
+            </a:extLst>
+          </p:cNvPr>
+          <p:cNvSpPr/>
+          <p:nvPr/>
+        </p:nvSpPr>
+        <p:spPr>
+          <a:xfrm>
+            <a:off x="1842697" y="3181396"/>
+            <a:ext cx="235485" cy="247604"/>
+          </a:xfrm>
+          <a:prstGeom prst="ellipse">
+            <a:avLst/>
+          </a:prstGeom>
+        </p:spPr>
+        <p:style>
+          <a:lnRef idx="2">
+            <a:schemeClr val="accent1">
+              <a:shade val="50000"/>
+            </a:schemeClr>
+          </a:lnRef>
+          <a:fillRef idx="1">
+            <a:schemeClr val="accent1"/>
+          </a:fillRef>
+          <a:effectRef idx="0">
+            <a:schemeClr val="accent1"/>
+          </a:effectRef>
+          <a:fontRef idx="minor">
+            <a:schemeClr val="lt1"/>
+          </a:fontRef>
+        </p:style>
+        <p:txBody>
+          <a:bodyPr rtlCol="0" anchor="ctr"/>
+          <a:lstStyle/>
+          <a:p>
+            <a:pPr algn="ctr"/>
+            <a:endParaRPr lang="en-US"/>
+          </a:p>
+        </p:txBody>
+      </p:sp>
+      <p:pic>
+        <p:nvPicPr>
+          <p:cNvPr id="5" name="Picture 4">
+            <a:extLst>
+              <a:ext uri="{FF2B5EF4-FFF2-40B4-BE49-F238E27FC236}">
+                <a16:creationId xmlns:a16="http://schemas.microsoft.com/office/drawing/2014/main" id="{65C37F02-2713-497B-B554-AC42F3134AF1}"/>
+              </a:ext>
+            </a:extLst>
+          </p:cNvPr>
+          <p:cNvPicPr>
+            <a:picLocks noChangeAspect="1"/>
+          </p:cNvPicPr>
+          <p:nvPr/>
+        </p:nvPicPr>
+        <p:blipFill>
+          <a:blip r:embed="rId2"/>
+          <a:stretch>
+            <a:fillRect/>
+          </a:stretch>
+        </p:blipFill>
+        <p:spPr>
+          <a:xfrm>
+            <a:off x="766372" y="2900385"/>
+            <a:ext cx="1076325" cy="809625"/>
+          </a:xfrm>
+          <a:prstGeom prst="rect">
+            <a:avLst/>
+          </a:prstGeom>
+        </p:spPr>
+      </p:pic>
+      <p:sp>
+        <p:nvSpPr>
+          <p:cNvPr id="6" name="Oval 5">
+            <a:extLst>
+              <a:ext uri="{FF2B5EF4-FFF2-40B4-BE49-F238E27FC236}">
+                <a16:creationId xmlns:a16="http://schemas.microsoft.com/office/drawing/2014/main" id="{CC7F7100-723E-422D-BF83-507F9685C60B}"/>
+              </a:ext>
+            </a:extLst>
+          </p:cNvPr>
+          <p:cNvSpPr/>
+          <p:nvPr/>
+        </p:nvSpPr>
+        <p:spPr>
+          <a:xfrm>
+            <a:off x="4020132" y="1962369"/>
+            <a:ext cx="235485" cy="247604"/>
+          </a:xfrm>
+          <a:prstGeom prst="ellipse">
+            <a:avLst/>
+          </a:prstGeom>
+        </p:spPr>
+        <p:style>
+          <a:lnRef idx="2">
+            <a:schemeClr val="accent1">
+              <a:shade val="50000"/>
+            </a:schemeClr>
+          </a:lnRef>
+          <a:fillRef idx="1">
+            <a:schemeClr val="accent1"/>
+          </a:fillRef>
+          <a:effectRef idx="0">
+            <a:schemeClr val="accent1"/>
+          </a:effectRef>
+          <a:fontRef idx="minor">
+            <a:schemeClr val="lt1"/>
+          </a:fontRef>
+        </p:style>
+        <p:txBody>
+          <a:bodyPr rtlCol="0" anchor="ctr"/>
+          <a:lstStyle/>
+          <a:p>
+            <a:pPr algn="ctr"/>
+            <a:endParaRPr lang="en-US"/>
+          </a:p>
+        </p:txBody>
+      </p:sp>
+      <p:sp>
+        <p:nvSpPr>
+          <p:cNvPr id="7" name="Oval 6">
+            <a:extLst>
+              <a:ext uri="{FF2B5EF4-FFF2-40B4-BE49-F238E27FC236}">
+                <a16:creationId xmlns:a16="http://schemas.microsoft.com/office/drawing/2014/main" id="{C4484BD5-7745-49DD-9875-9C9CB2D9369B}"/>
+              </a:ext>
+            </a:extLst>
+          </p:cNvPr>
+          <p:cNvSpPr/>
+          <p:nvPr/>
+        </p:nvSpPr>
+        <p:spPr>
+          <a:xfrm>
+            <a:off x="4047824" y="4292430"/>
+            <a:ext cx="235485" cy="247604"/>
+          </a:xfrm>
+          <a:prstGeom prst="ellipse">
+            <a:avLst/>
+          </a:prstGeom>
+        </p:spPr>
+        <p:style>
+          <a:lnRef idx="2">
+            <a:schemeClr val="accent1">
+              <a:shade val="50000"/>
+            </a:schemeClr>
+          </a:lnRef>
+          <a:fillRef idx="1">
+            <a:schemeClr val="accent1"/>
+          </a:fillRef>
+          <a:effectRef idx="0">
+            <a:schemeClr val="accent1"/>
+          </a:effectRef>
+          <a:fontRef idx="minor">
+            <a:schemeClr val="lt1"/>
+          </a:fontRef>
+        </p:style>
+        <p:txBody>
+          <a:bodyPr rtlCol="0" anchor="ctr"/>
+          <a:lstStyle/>
+          <a:p>
+            <a:pPr algn="ctr"/>
+            <a:endParaRPr lang="en-US"/>
+          </a:p>
+        </p:txBody>
+      </p:sp>
+      <p:sp>
+        <p:nvSpPr>
+          <p:cNvPr id="8" name="Oval 7">
+            <a:extLst>
+              <a:ext uri="{FF2B5EF4-FFF2-40B4-BE49-F238E27FC236}">
+                <a16:creationId xmlns:a16="http://schemas.microsoft.com/office/drawing/2014/main" id="{1F45E6B9-6BA1-4392-9615-11A757E8B66F}"/>
+              </a:ext>
+            </a:extLst>
+          </p:cNvPr>
+          <p:cNvSpPr/>
+          <p:nvPr/>
+        </p:nvSpPr>
+        <p:spPr>
+          <a:xfrm>
+            <a:off x="5860515" y="285796"/>
+            <a:ext cx="235485" cy="247604"/>
+          </a:xfrm>
+          <a:prstGeom prst="ellipse">
+            <a:avLst/>
+          </a:prstGeom>
+        </p:spPr>
+        <p:style>
+          <a:lnRef idx="2">
+            <a:schemeClr val="accent1">
+              <a:shade val="50000"/>
+            </a:schemeClr>
+          </a:lnRef>
+          <a:fillRef idx="1">
+            <a:schemeClr val="accent1"/>
+          </a:fillRef>
+          <a:effectRef idx="0">
+            <a:schemeClr val="accent1"/>
+          </a:effectRef>
+          <a:fontRef idx="minor">
+            <a:schemeClr val="lt1"/>
+          </a:fontRef>
+        </p:style>
+        <p:txBody>
+          <a:bodyPr rtlCol="0" anchor="ctr"/>
+          <a:lstStyle/>
+          <a:p>
+            <a:pPr algn="ctr"/>
+            <a:endParaRPr lang="en-US"/>
+          </a:p>
+        </p:txBody>
+      </p:sp>
+      <p:sp>
+        <p:nvSpPr>
+          <p:cNvPr id="9" name="Oval 8">
+            <a:extLst>
+              <a:ext uri="{FF2B5EF4-FFF2-40B4-BE49-F238E27FC236}">
+                <a16:creationId xmlns:a16="http://schemas.microsoft.com/office/drawing/2014/main" id="{8E980459-57FB-437A-A255-87DC5A7D990E}"/>
+              </a:ext>
+            </a:extLst>
+          </p:cNvPr>
+          <p:cNvSpPr/>
+          <p:nvPr/>
+        </p:nvSpPr>
+        <p:spPr>
+          <a:xfrm>
+            <a:off x="5825897" y="1988415"/>
+            <a:ext cx="235485" cy="247604"/>
+          </a:xfrm>
+          <a:prstGeom prst="ellipse">
+            <a:avLst/>
+          </a:prstGeom>
+        </p:spPr>
+        <p:style>
+          <a:lnRef idx="2">
+            <a:schemeClr val="accent1">
+              <a:shade val="50000"/>
+            </a:schemeClr>
+          </a:lnRef>
+          <a:fillRef idx="1">
+            <a:schemeClr val="accent1"/>
+          </a:fillRef>
+          <a:effectRef idx="0">
+            <a:schemeClr val="accent1"/>
+          </a:effectRef>
+          <a:fontRef idx="minor">
+            <a:schemeClr val="lt1"/>
+          </a:fontRef>
+        </p:style>
+        <p:txBody>
+          <a:bodyPr rtlCol="0" anchor="ctr"/>
+          <a:lstStyle/>
+          <a:p>
+            <a:pPr algn="ctr"/>
+            <a:endParaRPr lang="en-US"/>
+          </a:p>
+        </p:txBody>
+      </p:sp>
+      <p:sp>
+        <p:nvSpPr>
+          <p:cNvPr id="10" name="Oval 9">
+            <a:extLst>
+              <a:ext uri="{FF2B5EF4-FFF2-40B4-BE49-F238E27FC236}">
+                <a16:creationId xmlns:a16="http://schemas.microsoft.com/office/drawing/2014/main" id="{BE246C95-4800-46EB-A5C3-3C9856055790}"/>
+              </a:ext>
+            </a:extLst>
+          </p:cNvPr>
+          <p:cNvSpPr/>
+          <p:nvPr/>
+        </p:nvSpPr>
+        <p:spPr>
+          <a:xfrm>
+            <a:off x="5855935" y="3271126"/>
+            <a:ext cx="235485" cy="247604"/>
+          </a:xfrm>
+          <a:prstGeom prst="ellipse">
+            <a:avLst/>
+          </a:prstGeom>
+        </p:spPr>
+        <p:style>
+          <a:lnRef idx="2">
+            <a:schemeClr val="accent1">
+              <a:shade val="50000"/>
+            </a:schemeClr>
+          </a:lnRef>
+          <a:fillRef idx="1">
+            <a:schemeClr val="accent1"/>
+          </a:fillRef>
+          <a:effectRef idx="0">
+            <a:schemeClr val="accent1"/>
+          </a:effectRef>
+          <a:fontRef idx="minor">
+            <a:schemeClr val="lt1"/>
+          </a:fontRef>
+        </p:style>
+        <p:txBody>
+          <a:bodyPr rtlCol="0" anchor="ctr"/>
+          <a:lstStyle/>
+          <a:p>
+            <a:pPr algn="ctr"/>
+            <a:endParaRPr lang="en-US"/>
+          </a:p>
+        </p:txBody>
+      </p:sp>
+      <p:sp>
+        <p:nvSpPr>
+          <p:cNvPr id="11" name="Oval 10">
+            <a:extLst>
+              <a:ext uri="{FF2B5EF4-FFF2-40B4-BE49-F238E27FC236}">
+                <a16:creationId xmlns:a16="http://schemas.microsoft.com/office/drawing/2014/main" id="{45FFC0B2-D9A4-457A-BF16-7604C4602CAA}"/>
+              </a:ext>
+            </a:extLst>
+          </p:cNvPr>
+          <p:cNvSpPr/>
+          <p:nvPr/>
+        </p:nvSpPr>
+        <p:spPr>
+          <a:xfrm>
+            <a:off x="5812008" y="5878128"/>
+            <a:ext cx="235485" cy="247604"/>
+          </a:xfrm>
+          <a:prstGeom prst="ellipse">
+            <a:avLst/>
+          </a:prstGeom>
+        </p:spPr>
+        <p:style>
+          <a:lnRef idx="2">
+            <a:schemeClr val="accent1">
+              <a:shade val="50000"/>
+            </a:schemeClr>
+          </a:lnRef>
+          <a:fillRef idx="1">
+            <a:schemeClr val="accent1"/>
+          </a:fillRef>
+          <a:effectRef idx="0">
+            <a:schemeClr val="accent1"/>
+          </a:effectRef>
+          <a:fontRef idx="minor">
+            <a:schemeClr val="lt1"/>
+          </a:fontRef>
+        </p:style>
+        <p:txBody>
+          <a:bodyPr rtlCol="0" anchor="ctr"/>
+          <a:lstStyle/>
+          <a:p>
+            <a:pPr algn="ctr"/>
+            <a:endParaRPr lang="en-US"/>
+          </a:p>
+        </p:txBody>
+      </p:sp>
+      <p:sp>
+        <p:nvSpPr>
+          <p:cNvPr id="12" name="Oval 11">
+            <a:extLst>
+              <a:ext uri="{FF2B5EF4-FFF2-40B4-BE49-F238E27FC236}">
+                <a16:creationId xmlns:a16="http://schemas.microsoft.com/office/drawing/2014/main" id="{9414776A-17DA-4546-B497-26EAE111F3B1}"/>
+              </a:ext>
+            </a:extLst>
+          </p:cNvPr>
+          <p:cNvSpPr/>
+          <p:nvPr/>
+        </p:nvSpPr>
+        <p:spPr>
+          <a:xfrm>
+            <a:off x="5855934" y="4331937"/>
+            <a:ext cx="235485" cy="247604"/>
+          </a:xfrm>
+          <a:prstGeom prst="ellipse">
+            <a:avLst/>
+          </a:prstGeom>
+        </p:spPr>
+        <p:style>
+          <a:lnRef idx="2">
+            <a:schemeClr val="accent1">
+              <a:shade val="50000"/>
+            </a:schemeClr>
+          </a:lnRef>
+          <a:fillRef idx="1">
+            <a:schemeClr val="accent1"/>
+          </a:fillRef>
+          <a:effectRef idx="0">
+            <a:schemeClr val="accent1"/>
+          </a:effectRef>
+          <a:fontRef idx="minor">
+            <a:schemeClr val="lt1"/>
+          </a:fontRef>
+        </p:style>
+        <p:txBody>
+          <a:bodyPr rtlCol="0" anchor="ctr"/>
+          <a:lstStyle/>
+          <a:p>
+            <a:pPr algn="ctr"/>
+            <a:endParaRPr lang="en-US"/>
+          </a:p>
+        </p:txBody>
+      </p:sp>
+      <p:pic>
+        <p:nvPicPr>
+          <p:cNvPr id="13" name="Picture 12">
+            <a:extLst>
+              <a:ext uri="{FF2B5EF4-FFF2-40B4-BE49-F238E27FC236}">
+                <a16:creationId xmlns:a16="http://schemas.microsoft.com/office/drawing/2014/main" id="{2225D55E-7C90-453B-BFD9-4DFF312A45E1}"/>
+              </a:ext>
+            </a:extLst>
+          </p:cNvPr>
+          <p:cNvPicPr>
+            <a:picLocks noChangeAspect="1"/>
+          </p:cNvPicPr>
+          <p:nvPr/>
+        </p:nvPicPr>
+        <p:blipFill>
+          <a:blip r:embed="rId3"/>
+          <a:stretch>
+            <a:fillRect/>
+          </a:stretch>
+        </p:blipFill>
+        <p:spPr>
+          <a:xfrm>
+            <a:off x="3785318" y="355804"/>
+            <a:ext cx="705112" cy="1395222"/>
+          </a:xfrm>
+          <a:prstGeom prst="rect">
+            <a:avLst/>
+          </a:prstGeom>
+        </p:spPr>
+      </p:pic>
+      <p:pic>
+        <p:nvPicPr>
+          <p:cNvPr id="14" name="Picture 13">
+            <a:extLst>
+              <a:ext uri="{FF2B5EF4-FFF2-40B4-BE49-F238E27FC236}">
+                <a16:creationId xmlns:a16="http://schemas.microsoft.com/office/drawing/2014/main" id="{D71EBE93-51E6-4165-9C0A-BDDB34842ACD}"/>
+              </a:ext>
+            </a:extLst>
+          </p:cNvPr>
+          <p:cNvPicPr>
+            <a:picLocks noChangeAspect="1"/>
+          </p:cNvPicPr>
+          <p:nvPr/>
+        </p:nvPicPr>
+        <p:blipFill>
+          <a:blip r:embed="rId4"/>
+          <a:stretch>
+            <a:fillRect/>
+          </a:stretch>
+        </p:blipFill>
+        <p:spPr>
+          <a:xfrm>
+            <a:off x="3705822" y="2376663"/>
+            <a:ext cx="919489" cy="1694746"/>
+          </a:xfrm>
+          <a:prstGeom prst="rect">
+            <a:avLst/>
+          </a:prstGeom>
+        </p:spPr>
+      </p:pic>
+      <p:pic>
+        <p:nvPicPr>
+          <p:cNvPr id="15" name="Picture 14">
+            <a:extLst>
+              <a:ext uri="{FF2B5EF4-FFF2-40B4-BE49-F238E27FC236}">
+                <a16:creationId xmlns:a16="http://schemas.microsoft.com/office/drawing/2014/main" id="{66BB4C5F-0DCB-4CA5-8EAA-46499140E198}"/>
+              </a:ext>
+            </a:extLst>
+          </p:cNvPr>
+          <p:cNvPicPr>
+            <a:picLocks noChangeAspect="1"/>
+          </p:cNvPicPr>
+          <p:nvPr/>
+        </p:nvPicPr>
+        <p:blipFill>
+          <a:blip r:embed="rId5"/>
+          <a:stretch>
+            <a:fillRect/>
+          </a:stretch>
+        </p:blipFill>
+        <p:spPr>
+          <a:xfrm>
+            <a:off x="3627427" y="4686372"/>
+            <a:ext cx="953006" cy="1644915"/>
+          </a:xfrm>
+          <a:prstGeom prst="rect">
+            <a:avLst/>
+          </a:prstGeom>
+        </p:spPr>
+      </p:pic>
+      <p:pic>
+        <p:nvPicPr>
+          <p:cNvPr id="17" name="Picture 16">
+            <a:extLst>
+              <a:ext uri="{FF2B5EF4-FFF2-40B4-BE49-F238E27FC236}">
+                <a16:creationId xmlns:a16="http://schemas.microsoft.com/office/drawing/2014/main" id="{8EE62CCE-8036-49FC-89FD-0BE30C5BC48D}"/>
+              </a:ext>
+            </a:extLst>
+          </p:cNvPr>
+          <p:cNvPicPr>
+            <a:picLocks noChangeAspect="1"/>
+          </p:cNvPicPr>
+          <p:nvPr/>
+        </p:nvPicPr>
+        <p:blipFill>
+          <a:blip r:embed="rId6"/>
+          <a:stretch>
+            <a:fillRect/>
+          </a:stretch>
+        </p:blipFill>
+        <p:spPr>
+          <a:xfrm>
+            <a:off x="6214694" y="4203326"/>
+            <a:ext cx="390525" cy="504825"/>
+          </a:xfrm>
+          <a:prstGeom prst="rect">
+            <a:avLst/>
+          </a:prstGeom>
+        </p:spPr>
+      </p:pic>
+      <p:pic>
+        <p:nvPicPr>
+          <p:cNvPr id="18" name="Picture 17">
+            <a:extLst>
+              <a:ext uri="{FF2B5EF4-FFF2-40B4-BE49-F238E27FC236}">
+                <a16:creationId xmlns:a16="http://schemas.microsoft.com/office/drawing/2014/main" id="{42FABF00-B386-4762-AB72-9EB2D444AB1C}"/>
+              </a:ext>
+            </a:extLst>
+          </p:cNvPr>
+          <p:cNvPicPr>
+            <a:picLocks noChangeAspect="1"/>
+          </p:cNvPicPr>
+          <p:nvPr/>
+        </p:nvPicPr>
+        <p:blipFill>
+          <a:blip r:embed="rId6"/>
+          <a:stretch>
+            <a:fillRect/>
+          </a:stretch>
+        </p:blipFill>
+        <p:spPr>
+          <a:xfrm>
+            <a:off x="6225162" y="5749515"/>
+            <a:ext cx="390525" cy="504825"/>
+          </a:xfrm>
+          <a:prstGeom prst="rect">
+            <a:avLst/>
+          </a:prstGeom>
+        </p:spPr>
+      </p:pic>
+      <p:pic>
+        <p:nvPicPr>
+          <p:cNvPr id="19" name="Picture 18">
+            <a:extLst>
+              <a:ext uri="{FF2B5EF4-FFF2-40B4-BE49-F238E27FC236}">
+                <a16:creationId xmlns:a16="http://schemas.microsoft.com/office/drawing/2014/main" id="{1F8792A3-82CE-403C-9E12-36EDFB7CACF1}"/>
+              </a:ext>
+            </a:extLst>
+          </p:cNvPr>
+          <p:cNvPicPr>
+            <a:picLocks noChangeAspect="1"/>
+          </p:cNvPicPr>
+          <p:nvPr/>
+        </p:nvPicPr>
+        <p:blipFill>
+          <a:blip r:embed="rId6"/>
+          <a:stretch>
+            <a:fillRect/>
+          </a:stretch>
+        </p:blipFill>
+        <p:spPr>
+          <a:xfrm>
+            <a:off x="6195590" y="1852880"/>
+            <a:ext cx="390525" cy="504825"/>
+          </a:xfrm>
+          <a:prstGeom prst="rect">
+            <a:avLst/>
+          </a:prstGeom>
+        </p:spPr>
+      </p:pic>
+      <p:pic>
+        <p:nvPicPr>
+          <p:cNvPr id="20" name="Picture 19">
+            <a:extLst>
+              <a:ext uri="{FF2B5EF4-FFF2-40B4-BE49-F238E27FC236}">
+                <a16:creationId xmlns:a16="http://schemas.microsoft.com/office/drawing/2014/main" id="{F56FACC3-4BF8-454B-87D9-6B481DB354D9}"/>
+              </a:ext>
+            </a:extLst>
+          </p:cNvPr>
+          <p:cNvPicPr>
+            <a:picLocks noChangeAspect="1"/>
+          </p:cNvPicPr>
+          <p:nvPr/>
+        </p:nvPicPr>
+        <p:blipFill>
+          <a:blip r:embed="rId6"/>
+          <a:stretch>
+            <a:fillRect/>
+          </a:stretch>
+        </p:blipFill>
+        <p:spPr>
+          <a:xfrm>
+            <a:off x="6199451" y="163535"/>
+            <a:ext cx="390525" cy="504825"/>
+          </a:xfrm>
+          <a:prstGeom prst="rect">
+            <a:avLst/>
+          </a:prstGeom>
+        </p:spPr>
+      </p:pic>
+      <p:cxnSp>
+        <p:nvCxnSpPr>
+          <p:cNvPr id="22" name="Straight Arrow Connector 21">
+            <a:extLst>
+              <a:ext uri="{FF2B5EF4-FFF2-40B4-BE49-F238E27FC236}">
+                <a16:creationId xmlns:a16="http://schemas.microsoft.com/office/drawing/2014/main" id="{F9D999ED-68CC-4564-A843-69E47DE893EF}"/>
+              </a:ext>
+            </a:extLst>
+          </p:cNvPr>
+          <p:cNvCxnSpPr>
+            <a:stCxn id="4" idx="7"/>
+            <a:endCxn id="6" idx="2"/>
+          </p:cNvCxnSpPr>
+          <p:nvPr/>
+        </p:nvCxnSpPr>
+        <p:spPr>
+          <a:xfrm flipV="1">
+            <a:off x="2043696" y="2086171"/>
+            <a:ext cx="1976436" cy="1131486"/>
+          </a:xfrm>
+          <a:prstGeom prst="straightConnector1">
+            <a:avLst/>
+          </a:prstGeom>
+          <a:ln>
+            <a:tailEnd type="triangle"/>
+          </a:ln>
+        </p:spPr>
+        <p:style>
+          <a:lnRef idx="1">
+            <a:schemeClr val="accent1"/>
+          </a:lnRef>
+          <a:fillRef idx="0">
+            <a:schemeClr val="accent1"/>
+          </a:fillRef>
+          <a:effectRef idx="0">
+            <a:schemeClr val="accent1"/>
+          </a:effectRef>
+          <a:fontRef idx="minor">
+            <a:schemeClr val="tx1"/>
+          </a:fontRef>
+        </p:style>
+      </p:cxnSp>
+      <p:cxnSp>
+        <p:nvCxnSpPr>
+          <p:cNvPr id="24" name="Straight Arrow Connector 23">
+            <a:extLst>
+              <a:ext uri="{FF2B5EF4-FFF2-40B4-BE49-F238E27FC236}">
+                <a16:creationId xmlns:a16="http://schemas.microsoft.com/office/drawing/2014/main" id="{6E294C62-4E39-4197-A12A-B929C6FEDBB6}"/>
+              </a:ext>
+            </a:extLst>
+          </p:cNvPr>
+          <p:cNvCxnSpPr>
+            <a:stCxn id="4" idx="5"/>
+            <a:endCxn id="7" idx="2"/>
+          </p:cNvCxnSpPr>
+          <p:nvPr/>
+        </p:nvCxnSpPr>
+        <p:spPr>
+          <a:xfrm>
+            <a:off x="2043696" y="3392739"/>
+            <a:ext cx="2004128" cy="1023493"/>
+          </a:xfrm>
+          <a:prstGeom prst="straightConnector1">
+            <a:avLst/>
+          </a:prstGeom>
+          <a:ln>
+            <a:tailEnd type="triangle"/>
+          </a:ln>
+        </p:spPr>
+        <p:style>
+          <a:lnRef idx="1">
+            <a:schemeClr val="accent1"/>
+          </a:lnRef>
+          <a:fillRef idx="0">
+            <a:schemeClr val="accent1"/>
+          </a:fillRef>
+          <a:effectRef idx="0">
+            <a:schemeClr val="accent1"/>
+          </a:effectRef>
+          <a:fontRef idx="minor">
+            <a:schemeClr val="tx1"/>
+          </a:fontRef>
+        </p:style>
+      </p:cxnSp>
+      <p:cxnSp>
+        <p:nvCxnSpPr>
+          <p:cNvPr id="26" name="Straight Arrow Connector 25">
+            <a:extLst>
+              <a:ext uri="{FF2B5EF4-FFF2-40B4-BE49-F238E27FC236}">
+                <a16:creationId xmlns:a16="http://schemas.microsoft.com/office/drawing/2014/main" id="{244B231B-BB9C-4493-9D93-96973EC8CBEE}"/>
+              </a:ext>
+            </a:extLst>
+          </p:cNvPr>
+          <p:cNvCxnSpPr>
+            <a:stCxn id="6" idx="0"/>
+            <a:endCxn id="8" idx="2"/>
+          </p:cNvCxnSpPr>
+          <p:nvPr/>
+        </p:nvCxnSpPr>
+        <p:spPr>
+          <a:xfrm flipV="1">
+            <a:off x="4137875" y="409598"/>
+            <a:ext cx="1722640" cy="1552771"/>
+          </a:xfrm>
+          <a:prstGeom prst="straightConnector1">
+            <a:avLst/>
+          </a:prstGeom>
+          <a:ln>
+            <a:tailEnd type="triangle"/>
+          </a:ln>
+        </p:spPr>
+        <p:style>
+          <a:lnRef idx="1">
+            <a:schemeClr val="accent1"/>
+          </a:lnRef>
+          <a:fillRef idx="0">
+            <a:schemeClr val="accent1"/>
+          </a:fillRef>
+          <a:effectRef idx="0">
+            <a:schemeClr val="accent1"/>
+          </a:effectRef>
+          <a:fontRef idx="minor">
+            <a:schemeClr val="tx1"/>
+          </a:fontRef>
+        </p:style>
+      </p:cxnSp>
+      <p:cxnSp>
+        <p:nvCxnSpPr>
+          <p:cNvPr id="28" name="Straight Arrow Connector 27">
+            <a:extLst>
+              <a:ext uri="{FF2B5EF4-FFF2-40B4-BE49-F238E27FC236}">
+                <a16:creationId xmlns:a16="http://schemas.microsoft.com/office/drawing/2014/main" id="{A89794EF-7109-4D7D-9E66-5999EAC5F4FC}"/>
+              </a:ext>
+            </a:extLst>
+          </p:cNvPr>
+          <p:cNvCxnSpPr>
+            <a:stCxn id="6" idx="6"/>
+            <a:endCxn id="9" idx="2"/>
+          </p:cNvCxnSpPr>
+          <p:nvPr/>
+        </p:nvCxnSpPr>
+        <p:spPr>
+          <a:xfrm>
+            <a:off x="4255617" y="2086171"/>
+            <a:ext cx="1570280" cy="26046"/>
+          </a:xfrm>
+          <a:prstGeom prst="straightConnector1">
+            <a:avLst/>
+          </a:prstGeom>
+          <a:ln>
+            <a:tailEnd type="triangle"/>
+          </a:ln>
+        </p:spPr>
+        <p:style>
+          <a:lnRef idx="1">
+            <a:schemeClr val="accent1"/>
+          </a:lnRef>
+          <a:fillRef idx="0">
+            <a:schemeClr val="accent1"/>
+          </a:fillRef>
+          <a:effectRef idx="0">
+            <a:schemeClr val="accent1"/>
+          </a:effectRef>
+          <a:fontRef idx="minor">
+            <a:schemeClr val="tx1"/>
+          </a:fontRef>
+        </p:style>
+      </p:cxnSp>
+      <p:cxnSp>
+        <p:nvCxnSpPr>
+          <p:cNvPr id="32" name="Straight Arrow Connector 31">
+            <a:extLst>
+              <a:ext uri="{FF2B5EF4-FFF2-40B4-BE49-F238E27FC236}">
+                <a16:creationId xmlns:a16="http://schemas.microsoft.com/office/drawing/2014/main" id="{9E2330D8-DE08-464D-8A73-55CEB85A85F6}"/>
+              </a:ext>
+            </a:extLst>
+          </p:cNvPr>
+          <p:cNvCxnSpPr>
+            <a:stCxn id="6" idx="4"/>
+            <a:endCxn id="10" idx="2"/>
+          </p:cNvCxnSpPr>
+          <p:nvPr/>
+        </p:nvCxnSpPr>
+        <p:spPr>
+          <a:xfrm>
+            <a:off x="4137875" y="2209973"/>
+            <a:ext cx="1718060" cy="1184955"/>
+          </a:xfrm>
+          <a:prstGeom prst="straightConnector1">
+            <a:avLst/>
+          </a:prstGeom>
+          <a:ln>
+            <a:tailEnd type="triangle"/>
+          </a:ln>
+        </p:spPr>
+        <p:style>
+          <a:lnRef idx="1">
+            <a:schemeClr val="accent1"/>
+          </a:lnRef>
+          <a:fillRef idx="0">
+            <a:schemeClr val="accent1"/>
+          </a:fillRef>
+          <a:effectRef idx="0">
+            <a:schemeClr val="accent1"/>
+          </a:effectRef>
+          <a:fontRef idx="minor">
+            <a:schemeClr val="tx1"/>
+          </a:fontRef>
+        </p:style>
+      </p:cxnSp>
+      <p:cxnSp>
+        <p:nvCxnSpPr>
+          <p:cNvPr id="36" name="Straight Arrow Connector 35">
+            <a:extLst>
+              <a:ext uri="{FF2B5EF4-FFF2-40B4-BE49-F238E27FC236}">
+                <a16:creationId xmlns:a16="http://schemas.microsoft.com/office/drawing/2014/main" id="{341B4E9B-D376-45AC-98CC-81E52CF0F2CE}"/>
+              </a:ext>
+            </a:extLst>
+          </p:cNvPr>
+          <p:cNvCxnSpPr>
+            <a:stCxn id="7" idx="0"/>
+            <a:endCxn id="10" idx="2"/>
+          </p:cNvCxnSpPr>
+          <p:nvPr/>
+        </p:nvCxnSpPr>
+        <p:spPr>
+          <a:xfrm flipV="1">
+            <a:off x="4165567" y="3394928"/>
+            <a:ext cx="1690368" cy="897502"/>
+          </a:xfrm>
+          <a:prstGeom prst="straightConnector1">
+            <a:avLst/>
+          </a:prstGeom>
+          <a:ln>
+            <a:tailEnd type="triangle"/>
+          </a:ln>
+        </p:spPr>
+        <p:style>
+          <a:lnRef idx="1">
+            <a:schemeClr val="accent1"/>
+          </a:lnRef>
+          <a:fillRef idx="0">
+            <a:schemeClr val="accent1"/>
+          </a:fillRef>
+          <a:effectRef idx="0">
+            <a:schemeClr val="accent1"/>
+          </a:effectRef>
+          <a:fontRef idx="minor">
+            <a:schemeClr val="tx1"/>
+          </a:fontRef>
+        </p:style>
+      </p:cxnSp>
+      <p:cxnSp>
+        <p:nvCxnSpPr>
+          <p:cNvPr id="40" name="Straight Arrow Connector 39">
+            <a:extLst>
+              <a:ext uri="{FF2B5EF4-FFF2-40B4-BE49-F238E27FC236}">
+                <a16:creationId xmlns:a16="http://schemas.microsoft.com/office/drawing/2014/main" id="{AC2BA866-9D2C-41C6-973D-29570C317CF2}"/>
+              </a:ext>
+            </a:extLst>
+          </p:cNvPr>
+          <p:cNvCxnSpPr>
+            <a:stCxn id="7" idx="6"/>
+            <a:endCxn id="12" idx="2"/>
+          </p:cNvCxnSpPr>
+          <p:nvPr/>
+        </p:nvCxnSpPr>
+        <p:spPr>
+          <a:xfrm>
+            <a:off x="4283309" y="4416232"/>
+            <a:ext cx="1572625" cy="39507"/>
+          </a:xfrm>
+          <a:prstGeom prst="straightConnector1">
+            <a:avLst/>
+          </a:prstGeom>
+          <a:ln>
+            <a:tailEnd type="triangle"/>
+          </a:ln>
+        </p:spPr>
+        <p:style>
+          <a:lnRef idx="1">
+            <a:schemeClr val="accent1"/>
+          </a:lnRef>
+          <a:fillRef idx="0">
+            <a:schemeClr val="accent1"/>
+          </a:fillRef>
+          <a:effectRef idx="0">
+            <a:schemeClr val="accent1"/>
+          </a:effectRef>
+          <a:fontRef idx="minor">
+            <a:schemeClr val="tx1"/>
+          </a:fontRef>
+        </p:style>
+      </p:cxnSp>
+      <p:cxnSp>
+        <p:nvCxnSpPr>
+          <p:cNvPr id="43" name="Straight Arrow Connector 42">
+            <a:extLst>
+              <a:ext uri="{FF2B5EF4-FFF2-40B4-BE49-F238E27FC236}">
+                <a16:creationId xmlns:a16="http://schemas.microsoft.com/office/drawing/2014/main" id="{41E3BFEE-A6CD-4192-9F96-C1C28F87588B}"/>
+              </a:ext>
+            </a:extLst>
+          </p:cNvPr>
+          <p:cNvCxnSpPr>
+            <a:stCxn id="7" idx="4"/>
+            <a:endCxn id="11" idx="1"/>
+          </p:cNvCxnSpPr>
+          <p:nvPr/>
+        </p:nvCxnSpPr>
+        <p:spPr>
+          <a:xfrm>
+            <a:off x="4165567" y="4540034"/>
+            <a:ext cx="1680927" cy="1374355"/>
+          </a:xfrm>
+          <a:prstGeom prst="straightConnector1">
+            <a:avLst/>
+          </a:prstGeom>
+          <a:ln>
+            <a:tailEnd type="triangle"/>
+          </a:ln>
+        </p:spPr>
+        <p:style>
+          <a:lnRef idx="1">
+            <a:schemeClr val="accent1"/>
+          </a:lnRef>
+          <a:fillRef idx="0">
+            <a:schemeClr val="accent1"/>
+          </a:fillRef>
+          <a:effectRef idx="0">
+            <a:schemeClr val="accent1"/>
+          </a:effectRef>
+          <a:fontRef idx="minor">
+            <a:schemeClr val="tx1"/>
+          </a:fontRef>
+        </p:style>
+      </p:cxnSp>
+      <p:sp>
+        <p:nvSpPr>
+          <p:cNvPr id="45" name="Rectangle 44">
+            <a:extLst>
+              <a:ext uri="{FF2B5EF4-FFF2-40B4-BE49-F238E27FC236}">
+                <a16:creationId xmlns:a16="http://schemas.microsoft.com/office/drawing/2014/main" id="{ABD9AC77-E391-4188-9AE7-9CDC4806810C}"/>
+              </a:ext>
+            </a:extLst>
+          </p:cNvPr>
+          <p:cNvSpPr/>
+          <p:nvPr/>
+        </p:nvSpPr>
+        <p:spPr>
+          <a:xfrm>
+            <a:off x="2762949" y="2236019"/>
+            <a:ext cx="530915" cy="369332"/>
+          </a:xfrm>
+          <a:prstGeom prst="rect">
+            <a:avLst/>
+          </a:prstGeom>
+          <a:noFill/>
+        </p:spPr>
+        <p:txBody>
+          <a:bodyPr wrap="none" lIns="91440" tIns="45720" rIns="91440" bIns="45720">
+            <a:spAutoFit/>
+          </a:bodyPr>
+          <a:lstStyle/>
+          <a:p>
+            <a:pPr algn="ctr"/>
+            <a:r>
+              <a:rPr lang="en-US" b="0" cap="none" spc="0" dirty="0">
+                <a:ln w="0"/>
+                <a:solidFill>
+                  <a:schemeClr val="tx1"/>
+                </a:solidFill>
+                <a:effectLst>
+                  <a:outerShdw blurRad="38100" dist="19050" dir="2700000" algn="tl" rotWithShape="0">
+                    <a:schemeClr val="dk1">
+                      <a:alpha val="40000"/>
+                    </a:schemeClr>
+                  </a:outerShdw>
+                </a:effectLst>
+                <a:latin typeface="Bell MT" panose="02020503060305020303" pitchFamily="18" charset="0"/>
+              </a:rPr>
+              <a:t>1/2</a:t>
+            </a:r>
+          </a:p>
+        </p:txBody>
+      </p:sp>
+      <p:pic>
+        <p:nvPicPr>
+          <p:cNvPr id="46" name="Picture 45">
+            <a:extLst>
+              <a:ext uri="{FF2B5EF4-FFF2-40B4-BE49-F238E27FC236}">
+                <a16:creationId xmlns:a16="http://schemas.microsoft.com/office/drawing/2014/main" id="{B24CE5C1-73DE-4CAB-8DEE-1B9A53368AC5}"/>
+              </a:ext>
+            </a:extLst>
+          </p:cNvPr>
+          <p:cNvPicPr>
+            <a:picLocks noChangeAspect="1"/>
+          </p:cNvPicPr>
+          <p:nvPr/>
+        </p:nvPicPr>
+        <p:blipFill>
+          <a:blip r:embed="rId6"/>
+          <a:stretch>
+            <a:fillRect/>
+          </a:stretch>
+        </p:blipFill>
+        <p:spPr>
+          <a:xfrm>
+            <a:off x="6252951" y="3133806"/>
+            <a:ext cx="390525" cy="504825"/>
+          </a:xfrm>
+          <a:prstGeom prst="rect">
+            <a:avLst/>
+          </a:prstGeom>
+        </p:spPr>
+      </p:pic>
+      <p:sp>
+        <p:nvSpPr>
+          <p:cNvPr id="47" name="Rectangle 46">
+            <a:extLst>
+              <a:ext uri="{FF2B5EF4-FFF2-40B4-BE49-F238E27FC236}">
+                <a16:creationId xmlns:a16="http://schemas.microsoft.com/office/drawing/2014/main" id="{DC1EF3E2-0F07-4A73-87AC-0B45ECEEE439}"/>
+              </a:ext>
+            </a:extLst>
+          </p:cNvPr>
+          <p:cNvSpPr/>
+          <p:nvPr/>
+        </p:nvSpPr>
+        <p:spPr>
+          <a:xfrm>
+            <a:off x="2762948" y="3923098"/>
+            <a:ext cx="530915" cy="369332"/>
+          </a:xfrm>
+          <a:prstGeom prst="rect">
+            <a:avLst/>
+          </a:prstGeom>
+          <a:noFill/>
+        </p:spPr>
+        <p:txBody>
+          <a:bodyPr wrap="none" lIns="91440" tIns="45720" rIns="91440" bIns="45720">
+            <a:spAutoFit/>
+          </a:bodyPr>
+          <a:lstStyle/>
+          <a:p>
+            <a:pPr algn="ctr"/>
+            <a:r>
+              <a:rPr lang="en-US" b="0" cap="none" spc="0" dirty="0">
+                <a:ln w="0"/>
+                <a:solidFill>
+                  <a:schemeClr val="tx1"/>
+                </a:solidFill>
+                <a:effectLst>
+                  <a:outerShdw blurRad="38100" dist="19050" dir="2700000" algn="tl" rotWithShape="0">
+                    <a:schemeClr val="dk1">
+                      <a:alpha val="40000"/>
+                    </a:schemeClr>
+                  </a:outerShdw>
+                </a:effectLst>
+                <a:latin typeface="Bell MT" panose="02020503060305020303" pitchFamily="18" charset="0"/>
+              </a:rPr>
+              <a:t>1/2</a:t>
+            </a:r>
+          </a:p>
+        </p:txBody>
+      </p:sp>
+      <p:sp>
+        <p:nvSpPr>
+          <p:cNvPr id="48" name="Rectangle 47">
+            <a:extLst>
+              <a:ext uri="{FF2B5EF4-FFF2-40B4-BE49-F238E27FC236}">
+                <a16:creationId xmlns:a16="http://schemas.microsoft.com/office/drawing/2014/main" id="{C4D23F98-971B-4C42-8F52-EF2EA8A7CC0B}"/>
+              </a:ext>
+            </a:extLst>
+          </p:cNvPr>
+          <p:cNvSpPr/>
+          <p:nvPr/>
+        </p:nvSpPr>
+        <p:spPr>
+          <a:xfrm>
+            <a:off x="6843317" y="3224036"/>
+            <a:ext cx="300082" cy="369332"/>
+          </a:xfrm>
+          <a:prstGeom prst="rect">
+            <a:avLst/>
+          </a:prstGeom>
+          <a:noFill/>
+        </p:spPr>
+        <p:txBody>
+          <a:bodyPr wrap="none" lIns="91440" tIns="45720" rIns="91440" bIns="45720">
+            <a:spAutoFit/>
+          </a:bodyPr>
+          <a:lstStyle/>
+          <a:p>
+            <a:pPr algn="ctr"/>
+            <a:r>
+              <a:rPr lang="en-US" b="0" cap="none" spc="0" dirty="0">
+                <a:ln w="0"/>
+                <a:solidFill>
+                  <a:schemeClr val="tx1"/>
+                </a:solidFill>
+                <a:effectLst>
+                  <a:outerShdw blurRad="38100" dist="19050" dir="2700000" algn="tl" rotWithShape="0">
+                    <a:schemeClr val="dk1">
+                      <a:alpha val="40000"/>
+                    </a:schemeClr>
+                  </a:outerShdw>
+                </a:effectLst>
+                <a:latin typeface="Bell MT" panose="02020503060305020303" pitchFamily="18" charset="0"/>
+              </a:rPr>
+              <a:t>1</a:t>
+            </a:r>
+          </a:p>
+        </p:txBody>
+      </p:sp>
+      <p:sp>
+        <p:nvSpPr>
+          <p:cNvPr id="49" name="Rectangle 48">
+            <a:extLst>
+              <a:ext uri="{FF2B5EF4-FFF2-40B4-BE49-F238E27FC236}">
+                <a16:creationId xmlns:a16="http://schemas.microsoft.com/office/drawing/2014/main" id="{1FAE0CAC-39F5-482E-863E-C507842CD143}"/>
+              </a:ext>
+            </a:extLst>
+          </p:cNvPr>
+          <p:cNvSpPr/>
+          <p:nvPr/>
+        </p:nvSpPr>
+        <p:spPr>
+          <a:xfrm>
+            <a:off x="4625310" y="1690162"/>
+            <a:ext cx="530916" cy="369332"/>
+          </a:xfrm>
+          <a:prstGeom prst="rect">
+            <a:avLst/>
+          </a:prstGeom>
+          <a:noFill/>
+        </p:spPr>
+        <p:txBody>
+          <a:bodyPr wrap="none" lIns="91440" tIns="45720" rIns="91440" bIns="45720">
+            <a:spAutoFit/>
+          </a:bodyPr>
+          <a:lstStyle/>
+          <a:p>
+            <a:pPr algn="ctr"/>
+            <a:r>
+              <a:rPr lang="en-US" b="0" cap="none" spc="0" dirty="0">
+                <a:ln w="0"/>
+                <a:solidFill>
+                  <a:schemeClr val="tx1"/>
+                </a:solidFill>
+                <a:effectLst>
+                  <a:outerShdw blurRad="38100" dist="19050" dir="2700000" algn="tl" rotWithShape="0">
+                    <a:schemeClr val="dk1">
+                      <a:alpha val="40000"/>
+                    </a:schemeClr>
+                  </a:outerShdw>
+                </a:effectLst>
+                <a:latin typeface="Bell MT" panose="02020503060305020303" pitchFamily="18" charset="0"/>
+              </a:rPr>
+              <a:t>1/3</a:t>
+            </a:r>
+          </a:p>
+        </p:txBody>
+      </p:sp>
+      <p:sp>
+        <p:nvSpPr>
+          <p:cNvPr id="50" name="Rectangle 49">
+            <a:extLst>
+              <a:ext uri="{FF2B5EF4-FFF2-40B4-BE49-F238E27FC236}">
+                <a16:creationId xmlns:a16="http://schemas.microsoft.com/office/drawing/2014/main" id="{23FC770E-AA97-4FB2-A6DD-0C00D6EBCD87}"/>
+              </a:ext>
+            </a:extLst>
+          </p:cNvPr>
+          <p:cNvSpPr/>
+          <p:nvPr/>
+        </p:nvSpPr>
+        <p:spPr>
+          <a:xfrm>
+            <a:off x="4625309" y="2324538"/>
+            <a:ext cx="530916" cy="369332"/>
+          </a:xfrm>
+          <a:prstGeom prst="rect">
+            <a:avLst/>
+          </a:prstGeom>
+          <a:noFill/>
+        </p:spPr>
+        <p:txBody>
+          <a:bodyPr wrap="none" lIns="91440" tIns="45720" rIns="91440" bIns="45720">
+            <a:spAutoFit/>
+          </a:bodyPr>
+          <a:lstStyle/>
+          <a:p>
+            <a:pPr algn="ctr"/>
+            <a:r>
+              <a:rPr lang="en-US" b="0" cap="none" spc="0" dirty="0">
+                <a:ln w="0"/>
+                <a:solidFill>
+                  <a:schemeClr val="tx1"/>
+                </a:solidFill>
+                <a:effectLst>
+                  <a:outerShdw blurRad="38100" dist="19050" dir="2700000" algn="tl" rotWithShape="0">
+                    <a:schemeClr val="dk1">
+                      <a:alpha val="40000"/>
+                    </a:schemeClr>
+                  </a:outerShdw>
+                </a:effectLst>
+                <a:latin typeface="Bell MT" panose="02020503060305020303" pitchFamily="18" charset="0"/>
+              </a:rPr>
+              <a:t>1/3</a:t>
+            </a:r>
+          </a:p>
+        </p:txBody>
+      </p:sp>
+      <p:sp>
+        <p:nvSpPr>
+          <p:cNvPr id="51" name="Rectangle 50">
+            <a:extLst>
+              <a:ext uri="{FF2B5EF4-FFF2-40B4-BE49-F238E27FC236}">
+                <a16:creationId xmlns:a16="http://schemas.microsoft.com/office/drawing/2014/main" id="{3DE3E794-69DE-4C3F-9A74-2BA2905A6301}"/>
+              </a:ext>
+            </a:extLst>
+          </p:cNvPr>
+          <p:cNvSpPr/>
+          <p:nvPr/>
+        </p:nvSpPr>
+        <p:spPr>
+          <a:xfrm>
+            <a:off x="4690531" y="3887133"/>
+            <a:ext cx="530916" cy="369332"/>
+          </a:xfrm>
+          <a:prstGeom prst="rect">
+            <a:avLst/>
+          </a:prstGeom>
+          <a:noFill/>
+        </p:spPr>
+        <p:txBody>
+          <a:bodyPr wrap="none" lIns="91440" tIns="45720" rIns="91440" bIns="45720">
+            <a:spAutoFit/>
+          </a:bodyPr>
+          <a:lstStyle/>
+          <a:p>
+            <a:pPr algn="ctr"/>
+            <a:r>
+              <a:rPr lang="en-US" b="0" cap="none" spc="0" dirty="0">
+                <a:ln w="0"/>
+                <a:solidFill>
+                  <a:schemeClr val="tx1"/>
+                </a:solidFill>
+                <a:effectLst>
+                  <a:outerShdw blurRad="38100" dist="19050" dir="2700000" algn="tl" rotWithShape="0">
+                    <a:schemeClr val="dk1">
+                      <a:alpha val="40000"/>
+                    </a:schemeClr>
+                  </a:outerShdw>
+                </a:effectLst>
+                <a:latin typeface="Bell MT" panose="02020503060305020303" pitchFamily="18" charset="0"/>
+              </a:rPr>
+              <a:t>1/3</a:t>
+            </a:r>
+          </a:p>
+        </p:txBody>
+      </p:sp>
+      <p:sp>
+        <p:nvSpPr>
+          <p:cNvPr id="52" name="Rectangle 51">
+            <a:extLst>
+              <a:ext uri="{FF2B5EF4-FFF2-40B4-BE49-F238E27FC236}">
+                <a16:creationId xmlns:a16="http://schemas.microsoft.com/office/drawing/2014/main" id="{45A17B43-B178-43E2-8332-CB1815A1C0E5}"/>
+              </a:ext>
+            </a:extLst>
+          </p:cNvPr>
+          <p:cNvSpPr/>
+          <p:nvPr/>
+        </p:nvSpPr>
+        <p:spPr>
+          <a:xfrm>
+            <a:off x="4642068" y="4437948"/>
+            <a:ext cx="530916" cy="369332"/>
+          </a:xfrm>
+          <a:prstGeom prst="rect">
+            <a:avLst/>
+          </a:prstGeom>
+          <a:noFill/>
+        </p:spPr>
+        <p:txBody>
+          <a:bodyPr wrap="none" lIns="91440" tIns="45720" rIns="91440" bIns="45720">
+            <a:spAutoFit/>
+          </a:bodyPr>
+          <a:lstStyle/>
+          <a:p>
+            <a:pPr algn="ctr"/>
+            <a:r>
+              <a:rPr lang="en-US" b="0" cap="none" spc="0" dirty="0">
+                <a:ln w="0"/>
+                <a:solidFill>
+                  <a:schemeClr val="tx1"/>
+                </a:solidFill>
+                <a:effectLst>
+                  <a:outerShdw blurRad="38100" dist="19050" dir="2700000" algn="tl" rotWithShape="0">
+                    <a:schemeClr val="dk1">
+                      <a:alpha val="40000"/>
+                    </a:schemeClr>
+                  </a:outerShdw>
+                </a:effectLst>
+                <a:latin typeface="Bell MT" panose="02020503060305020303" pitchFamily="18" charset="0"/>
+              </a:rPr>
+              <a:t>1/3</a:t>
+            </a:r>
+          </a:p>
+        </p:txBody>
+      </p:sp>
+      <p:sp>
+        <p:nvSpPr>
+          <p:cNvPr id="53" name="Rectangle 52">
+            <a:extLst>
+              <a:ext uri="{FF2B5EF4-FFF2-40B4-BE49-F238E27FC236}">
+                <a16:creationId xmlns:a16="http://schemas.microsoft.com/office/drawing/2014/main" id="{EC52BD4F-409C-4E7D-BB52-6636AA8142C4}"/>
+              </a:ext>
+            </a:extLst>
+          </p:cNvPr>
+          <p:cNvSpPr/>
+          <p:nvPr/>
+        </p:nvSpPr>
+        <p:spPr>
+          <a:xfrm>
+            <a:off x="4642068" y="5237848"/>
+            <a:ext cx="530916" cy="369332"/>
+          </a:xfrm>
+          <a:prstGeom prst="rect">
+            <a:avLst/>
+          </a:prstGeom>
+          <a:noFill/>
+        </p:spPr>
+        <p:txBody>
+          <a:bodyPr wrap="none" lIns="91440" tIns="45720" rIns="91440" bIns="45720">
+            <a:spAutoFit/>
+          </a:bodyPr>
+          <a:lstStyle/>
+          <a:p>
+            <a:pPr algn="ctr"/>
+            <a:r>
+              <a:rPr lang="en-US" b="0" cap="none" spc="0" dirty="0">
+                <a:ln w="0"/>
+                <a:solidFill>
+                  <a:schemeClr val="tx1"/>
+                </a:solidFill>
+                <a:effectLst>
+                  <a:outerShdw blurRad="38100" dist="19050" dir="2700000" algn="tl" rotWithShape="0">
+                    <a:schemeClr val="dk1">
+                      <a:alpha val="40000"/>
+                    </a:schemeClr>
+                  </a:outerShdw>
+                </a:effectLst>
+                <a:latin typeface="Bell MT" panose="02020503060305020303" pitchFamily="18" charset="0"/>
+              </a:rPr>
+              <a:t>1/3</a:t>
+            </a:r>
+          </a:p>
+        </p:txBody>
+      </p:sp>
+      <p:cxnSp>
+        <p:nvCxnSpPr>
+          <p:cNvPr id="55" name="Connector: Curved 54">
+            <a:extLst>
+              <a:ext uri="{FF2B5EF4-FFF2-40B4-BE49-F238E27FC236}">
+                <a16:creationId xmlns:a16="http://schemas.microsoft.com/office/drawing/2014/main" id="{7BD679E9-FB76-43D6-863C-7A9C2FB1E547}"/>
+              </a:ext>
+            </a:extLst>
+          </p:cNvPr>
+          <p:cNvCxnSpPr>
+            <a:stCxn id="8" idx="0"/>
+            <a:endCxn id="8" idx="4"/>
+          </p:cNvCxnSpPr>
+          <p:nvPr/>
+        </p:nvCxnSpPr>
+        <p:spPr>
+          <a:xfrm rot="16200000" flipH="1">
+            <a:off x="5854456" y="409598"/>
+            <a:ext cx="247604" cy="12700"/>
+          </a:xfrm>
+          <a:prstGeom prst="curvedConnector5">
+            <a:avLst>
+              <a:gd name="adj1" fmla="val -92325"/>
+              <a:gd name="adj2" fmla="val 6145291"/>
+              <a:gd name="adj3" fmla="val 192325"/>
+            </a:avLst>
+          </a:prstGeom>
+          <a:ln>
+            <a:tailEnd type="triangle"/>
+          </a:ln>
+        </p:spPr>
+        <p:style>
+          <a:lnRef idx="1">
+            <a:schemeClr val="accent1"/>
+          </a:lnRef>
+          <a:fillRef idx="0">
+            <a:schemeClr val="accent1"/>
+          </a:fillRef>
+          <a:effectRef idx="0">
+            <a:schemeClr val="accent1"/>
+          </a:effectRef>
+          <a:fontRef idx="minor">
+            <a:schemeClr val="tx1"/>
+          </a:fontRef>
+        </p:style>
+      </p:cxnSp>
+      <p:cxnSp>
+        <p:nvCxnSpPr>
+          <p:cNvPr id="57" name="Connector: Curved 56">
+            <a:extLst>
+              <a:ext uri="{FF2B5EF4-FFF2-40B4-BE49-F238E27FC236}">
+                <a16:creationId xmlns:a16="http://schemas.microsoft.com/office/drawing/2014/main" id="{53553879-05A4-418F-BCF4-AE8719B8DA6B}"/>
+              </a:ext>
+            </a:extLst>
+          </p:cNvPr>
+          <p:cNvCxnSpPr/>
+          <p:nvPr/>
+        </p:nvCxnSpPr>
+        <p:spPr>
+          <a:xfrm rot="16200000" flipH="1">
+            <a:off x="5843325" y="2105867"/>
+            <a:ext cx="247604" cy="12700"/>
+          </a:xfrm>
+          <a:prstGeom prst="curvedConnector5">
+            <a:avLst>
+              <a:gd name="adj1" fmla="val -92325"/>
+              <a:gd name="adj2" fmla="val 6145291"/>
+              <a:gd name="adj3" fmla="val 192325"/>
+            </a:avLst>
+          </a:prstGeom>
+          <a:ln>
+            <a:tailEnd type="triangle"/>
+          </a:ln>
+        </p:spPr>
+        <p:style>
+          <a:lnRef idx="1">
+            <a:schemeClr val="accent1"/>
+          </a:lnRef>
+          <a:fillRef idx="0">
+            <a:schemeClr val="accent1"/>
+          </a:fillRef>
+          <a:effectRef idx="0">
+            <a:schemeClr val="accent1"/>
+          </a:effectRef>
+          <a:fontRef idx="minor">
+            <a:schemeClr val="tx1"/>
+          </a:fontRef>
+        </p:style>
+      </p:cxnSp>
+      <p:cxnSp>
+        <p:nvCxnSpPr>
+          <p:cNvPr id="58" name="Connector: Curved 57">
+            <a:extLst>
+              <a:ext uri="{FF2B5EF4-FFF2-40B4-BE49-F238E27FC236}">
+                <a16:creationId xmlns:a16="http://schemas.microsoft.com/office/drawing/2014/main" id="{37A217C5-65A2-4E90-B903-2068E97F5D42}"/>
+              </a:ext>
+            </a:extLst>
+          </p:cNvPr>
+          <p:cNvCxnSpPr/>
+          <p:nvPr/>
+        </p:nvCxnSpPr>
+        <p:spPr>
+          <a:xfrm rot="16200000" flipH="1">
+            <a:off x="5856025" y="3388578"/>
+            <a:ext cx="247604" cy="12700"/>
+          </a:xfrm>
+          <a:prstGeom prst="curvedConnector5">
+            <a:avLst>
+              <a:gd name="adj1" fmla="val -92325"/>
+              <a:gd name="adj2" fmla="val 6145291"/>
+              <a:gd name="adj3" fmla="val 192325"/>
+            </a:avLst>
+          </a:prstGeom>
+          <a:ln>
+            <a:tailEnd type="triangle"/>
+          </a:ln>
+        </p:spPr>
+        <p:style>
+          <a:lnRef idx="1">
+            <a:schemeClr val="accent1"/>
+          </a:lnRef>
+          <a:fillRef idx="0">
+            <a:schemeClr val="accent1"/>
+          </a:fillRef>
+          <a:effectRef idx="0">
+            <a:schemeClr val="accent1"/>
+          </a:effectRef>
+          <a:fontRef idx="minor">
+            <a:schemeClr val="tx1"/>
+          </a:fontRef>
+        </p:style>
+      </p:cxnSp>
+      <p:cxnSp>
+        <p:nvCxnSpPr>
+          <p:cNvPr id="59" name="Connector: Curved 58">
+            <a:extLst>
+              <a:ext uri="{FF2B5EF4-FFF2-40B4-BE49-F238E27FC236}">
+                <a16:creationId xmlns:a16="http://schemas.microsoft.com/office/drawing/2014/main" id="{36B8692D-0DA6-4807-93C4-00C818549D83}"/>
+              </a:ext>
+            </a:extLst>
+          </p:cNvPr>
+          <p:cNvCxnSpPr/>
+          <p:nvPr/>
+        </p:nvCxnSpPr>
+        <p:spPr>
+          <a:xfrm rot="16200000" flipH="1">
+            <a:off x="5867156" y="4449388"/>
+            <a:ext cx="247604" cy="12700"/>
+          </a:xfrm>
+          <a:prstGeom prst="curvedConnector5">
+            <a:avLst>
+              <a:gd name="adj1" fmla="val -92325"/>
+              <a:gd name="adj2" fmla="val 6145291"/>
+              <a:gd name="adj3" fmla="val 192325"/>
+            </a:avLst>
+          </a:prstGeom>
+          <a:ln>
+            <a:tailEnd type="triangle"/>
+          </a:ln>
+        </p:spPr>
+        <p:style>
+          <a:lnRef idx="1">
+            <a:schemeClr val="accent1"/>
+          </a:lnRef>
+          <a:fillRef idx="0">
+            <a:schemeClr val="accent1"/>
+          </a:fillRef>
+          <a:effectRef idx="0">
+            <a:schemeClr val="accent1"/>
+          </a:effectRef>
+          <a:fontRef idx="minor">
+            <a:schemeClr val="tx1"/>
+          </a:fontRef>
+        </p:style>
+      </p:cxnSp>
+      <p:cxnSp>
+        <p:nvCxnSpPr>
+          <p:cNvPr id="60" name="Connector: Curved 59">
+            <a:extLst>
+              <a:ext uri="{FF2B5EF4-FFF2-40B4-BE49-F238E27FC236}">
+                <a16:creationId xmlns:a16="http://schemas.microsoft.com/office/drawing/2014/main" id="{30BFF18B-6813-48E6-AADF-A06938C88DE7}"/>
+              </a:ext>
+            </a:extLst>
+          </p:cNvPr>
+          <p:cNvCxnSpPr/>
+          <p:nvPr/>
+        </p:nvCxnSpPr>
+        <p:spPr>
+          <a:xfrm rot="16200000" flipH="1">
+            <a:off x="5818399" y="5995579"/>
+            <a:ext cx="247604" cy="12700"/>
+          </a:xfrm>
+          <a:prstGeom prst="curvedConnector5">
+            <a:avLst>
+              <a:gd name="adj1" fmla="val -92325"/>
+              <a:gd name="adj2" fmla="val 6145291"/>
+              <a:gd name="adj3" fmla="val 192325"/>
+            </a:avLst>
+          </a:prstGeom>
+          <a:ln>
+            <a:tailEnd type="triangle"/>
+          </a:ln>
+        </p:spPr>
+        <p:style>
+          <a:lnRef idx="1">
+            <a:schemeClr val="accent1"/>
+          </a:lnRef>
+          <a:fillRef idx="0">
+            <a:schemeClr val="accent1"/>
+          </a:fillRef>
+          <a:effectRef idx="0">
+            <a:schemeClr val="accent1"/>
+          </a:effectRef>
+          <a:fontRef idx="minor">
+            <a:schemeClr val="tx1"/>
+          </a:fontRef>
+        </p:style>
+      </p:cxnSp>
+      <p:sp>
+        <p:nvSpPr>
+          <p:cNvPr id="61" name="Rectangle 60">
+            <a:extLst>
+              <a:ext uri="{FF2B5EF4-FFF2-40B4-BE49-F238E27FC236}">
+                <a16:creationId xmlns:a16="http://schemas.microsoft.com/office/drawing/2014/main" id="{96136D2B-C502-4B8F-B1AB-AE7A91357A71}"/>
+              </a:ext>
+            </a:extLst>
+          </p:cNvPr>
+          <p:cNvSpPr/>
+          <p:nvPr/>
+        </p:nvSpPr>
+        <p:spPr>
+          <a:xfrm>
+            <a:off x="6827239" y="285796"/>
+            <a:ext cx="300082" cy="369332"/>
+          </a:xfrm>
+          <a:prstGeom prst="rect">
+            <a:avLst/>
+          </a:prstGeom>
+          <a:noFill/>
+        </p:spPr>
+        <p:txBody>
+          <a:bodyPr wrap="none" lIns="91440" tIns="45720" rIns="91440" bIns="45720">
+            <a:spAutoFit/>
+          </a:bodyPr>
+          <a:lstStyle/>
+          <a:p>
+            <a:pPr algn="ctr"/>
+            <a:r>
+              <a:rPr lang="en-US" b="0" cap="none" spc="0" dirty="0">
+                <a:ln w="0"/>
+                <a:solidFill>
+                  <a:schemeClr val="tx1"/>
+                </a:solidFill>
+                <a:effectLst>
+                  <a:outerShdw blurRad="38100" dist="19050" dir="2700000" algn="tl" rotWithShape="0">
+                    <a:schemeClr val="dk1">
+                      <a:alpha val="40000"/>
+                    </a:schemeClr>
+                  </a:outerShdw>
+                </a:effectLst>
+                <a:latin typeface="Bell MT" panose="02020503060305020303" pitchFamily="18" charset="0"/>
+              </a:rPr>
+              <a:t>1</a:t>
+            </a:r>
+          </a:p>
+        </p:txBody>
+      </p:sp>
+      <p:sp>
+        <p:nvSpPr>
+          <p:cNvPr id="62" name="Rectangle 61">
+            <a:extLst>
+              <a:ext uri="{FF2B5EF4-FFF2-40B4-BE49-F238E27FC236}">
+                <a16:creationId xmlns:a16="http://schemas.microsoft.com/office/drawing/2014/main" id="{DAFD850E-2028-461F-9D0B-66B6B3755432}"/>
+              </a:ext>
+            </a:extLst>
+          </p:cNvPr>
+          <p:cNvSpPr/>
+          <p:nvPr/>
+        </p:nvSpPr>
+        <p:spPr>
+          <a:xfrm>
+            <a:off x="6846469" y="1902691"/>
+            <a:ext cx="265531" cy="369332"/>
+          </a:xfrm>
+          <a:prstGeom prst="rect">
+            <a:avLst/>
+          </a:prstGeom>
+          <a:noFill/>
+        </p:spPr>
+        <p:txBody>
+          <a:bodyPr wrap="square" lIns="91440" tIns="45720" rIns="91440" bIns="45720">
+            <a:spAutoFit/>
+          </a:bodyPr>
+          <a:lstStyle/>
+          <a:p>
+            <a:pPr algn="ctr"/>
+            <a:r>
+              <a:rPr lang="en-US" dirty="0">
+                <a:ln w="0"/>
+                <a:effectLst>
+                  <a:outerShdw blurRad="38100" dist="19050" dir="2700000" algn="tl" rotWithShape="0">
+                    <a:schemeClr val="dk1">
+                      <a:alpha val="40000"/>
+                    </a:schemeClr>
+                  </a:outerShdw>
+                </a:effectLst>
+                <a:latin typeface="Bell MT" panose="02020503060305020303" pitchFamily="18" charset="0"/>
+              </a:rPr>
+              <a:t>1</a:t>
+            </a:r>
+            <a:endParaRPr lang="en-US" b="0" cap="none" spc="0" dirty="0">
+              <a:ln w="0"/>
+              <a:solidFill>
+                <a:schemeClr val="tx1"/>
+              </a:solidFill>
+              <a:effectLst>
+                <a:outerShdw blurRad="38100" dist="19050" dir="2700000" algn="tl" rotWithShape="0">
+                  <a:schemeClr val="dk1">
+                    <a:alpha val="40000"/>
+                  </a:schemeClr>
+                </a:outerShdw>
+              </a:effectLst>
+              <a:latin typeface="Bell MT" panose="02020503060305020303" pitchFamily="18" charset="0"/>
+            </a:endParaRPr>
+          </a:p>
+        </p:txBody>
+      </p:sp>
+      <p:sp>
+        <p:nvSpPr>
+          <p:cNvPr id="63" name="Rectangle 62">
+            <a:extLst>
+              <a:ext uri="{FF2B5EF4-FFF2-40B4-BE49-F238E27FC236}">
+                <a16:creationId xmlns:a16="http://schemas.microsoft.com/office/drawing/2014/main" id="{C74A3B0B-EDE7-40DC-A250-FAC0CB2DBDCE}"/>
+              </a:ext>
+            </a:extLst>
+          </p:cNvPr>
+          <p:cNvSpPr/>
+          <p:nvPr/>
+        </p:nvSpPr>
+        <p:spPr>
+          <a:xfrm>
+            <a:off x="4693548" y="741376"/>
+            <a:ext cx="530916" cy="369332"/>
+          </a:xfrm>
+          <a:prstGeom prst="rect">
+            <a:avLst/>
+          </a:prstGeom>
+          <a:noFill/>
+        </p:spPr>
+        <p:txBody>
+          <a:bodyPr wrap="none" lIns="91440" tIns="45720" rIns="91440" bIns="45720">
+            <a:spAutoFit/>
+          </a:bodyPr>
+          <a:lstStyle/>
+          <a:p>
+            <a:pPr algn="ctr"/>
+            <a:r>
+              <a:rPr lang="en-US" b="0" cap="none" spc="0" dirty="0">
+                <a:ln w="0"/>
+                <a:solidFill>
+                  <a:schemeClr val="tx1"/>
+                </a:solidFill>
+                <a:effectLst>
+                  <a:outerShdw blurRad="38100" dist="19050" dir="2700000" algn="tl" rotWithShape="0">
+                    <a:schemeClr val="dk1">
+                      <a:alpha val="40000"/>
+                    </a:schemeClr>
+                  </a:outerShdw>
+                </a:effectLst>
+                <a:latin typeface="Bell MT" panose="02020503060305020303" pitchFamily="18" charset="0"/>
+              </a:rPr>
+              <a:t>1/3</a:t>
+            </a:r>
+          </a:p>
+        </p:txBody>
+      </p:sp>
+      <p:sp>
+        <p:nvSpPr>
+          <p:cNvPr id="64" name="Rectangle 63">
+            <a:extLst>
+              <a:ext uri="{FF2B5EF4-FFF2-40B4-BE49-F238E27FC236}">
+                <a16:creationId xmlns:a16="http://schemas.microsoft.com/office/drawing/2014/main" id="{19F649AC-7B85-4CA2-AD1F-53F93AA54464}"/>
+              </a:ext>
+            </a:extLst>
+          </p:cNvPr>
+          <p:cNvSpPr/>
+          <p:nvPr/>
+        </p:nvSpPr>
+        <p:spPr>
+          <a:xfrm>
+            <a:off x="6885800" y="4231566"/>
+            <a:ext cx="300082" cy="369332"/>
+          </a:xfrm>
+          <a:prstGeom prst="rect">
+            <a:avLst/>
+          </a:prstGeom>
+          <a:noFill/>
+        </p:spPr>
+        <p:txBody>
+          <a:bodyPr wrap="none" lIns="91440" tIns="45720" rIns="91440" bIns="45720">
+            <a:spAutoFit/>
+          </a:bodyPr>
+          <a:lstStyle/>
+          <a:p>
+            <a:pPr algn="ctr"/>
+            <a:r>
+              <a:rPr lang="en-US" b="0" cap="none" spc="0" dirty="0">
+                <a:ln w="0"/>
+                <a:solidFill>
+                  <a:schemeClr val="tx1"/>
+                </a:solidFill>
+                <a:effectLst>
+                  <a:outerShdw blurRad="38100" dist="19050" dir="2700000" algn="tl" rotWithShape="0">
+                    <a:schemeClr val="dk1">
+                      <a:alpha val="40000"/>
+                    </a:schemeClr>
+                  </a:outerShdw>
+                </a:effectLst>
+                <a:latin typeface="Bell MT" panose="02020503060305020303" pitchFamily="18" charset="0"/>
+              </a:rPr>
+              <a:t>1</a:t>
+            </a:r>
+          </a:p>
+        </p:txBody>
+      </p:sp>
+      <p:sp>
+        <p:nvSpPr>
+          <p:cNvPr id="65" name="Rectangle 64">
+            <a:extLst>
+              <a:ext uri="{FF2B5EF4-FFF2-40B4-BE49-F238E27FC236}">
+                <a16:creationId xmlns:a16="http://schemas.microsoft.com/office/drawing/2014/main" id="{0D5D61DB-1B3A-471F-AD48-F1ED5EF34A82}"/>
+              </a:ext>
+            </a:extLst>
+          </p:cNvPr>
+          <p:cNvSpPr/>
+          <p:nvPr/>
+        </p:nvSpPr>
+        <p:spPr>
+          <a:xfrm>
+            <a:off x="6892298" y="5815914"/>
+            <a:ext cx="300082" cy="369332"/>
+          </a:xfrm>
+          <a:prstGeom prst="rect">
+            <a:avLst/>
+          </a:prstGeom>
+          <a:noFill/>
+        </p:spPr>
+        <p:txBody>
+          <a:bodyPr wrap="none" lIns="91440" tIns="45720" rIns="91440" bIns="45720">
+            <a:spAutoFit/>
+          </a:bodyPr>
+          <a:lstStyle/>
+          <a:p>
+            <a:pPr algn="ctr"/>
+            <a:r>
+              <a:rPr lang="en-US" b="0" cap="none" spc="0" dirty="0">
+                <a:ln w="0"/>
+                <a:solidFill>
+                  <a:schemeClr val="tx1"/>
+                </a:solidFill>
+                <a:effectLst>
+                  <a:outerShdw blurRad="38100" dist="19050" dir="2700000" algn="tl" rotWithShape="0">
+                    <a:schemeClr val="dk1">
+                      <a:alpha val="40000"/>
+                    </a:schemeClr>
+                  </a:outerShdw>
+                </a:effectLst>
+                <a:latin typeface="Bell MT" panose="02020503060305020303" pitchFamily="18" charset="0"/>
+              </a:rPr>
+              <a:t>1</a:t>
+            </a:r>
+          </a:p>
+        </p:txBody>
+      </p:sp>
+      <p:sp>
+        <p:nvSpPr>
+          <p:cNvPr id="2" name="Rectangle 1">
+            <a:extLst>
+              <a:ext uri="{FF2B5EF4-FFF2-40B4-BE49-F238E27FC236}">
+                <a16:creationId xmlns:a16="http://schemas.microsoft.com/office/drawing/2014/main" id="{F91A14D7-1E46-46D0-8BC2-42D981F8B4F0}"/>
+              </a:ext>
+            </a:extLst>
+          </p:cNvPr>
+          <p:cNvSpPr/>
+          <p:nvPr/>
+        </p:nvSpPr>
+        <p:spPr>
+          <a:xfrm>
+            <a:off x="1842697" y="3538818"/>
+            <a:ext cx="266774" cy="369332"/>
+          </a:xfrm>
+          <a:prstGeom prst="rect">
+            <a:avLst/>
+          </a:prstGeom>
+        </p:spPr>
+        <p:txBody>
+          <a:bodyPr wrap="square">
+            <a:spAutoFit/>
+          </a:bodyPr>
+          <a:lstStyle/>
+          <a:p>
+            <a:r>
+              <a:rPr lang="en-US" dirty="0">
+                <a:latin typeface="Bernard MT Condensed" panose="02050806060905020404" pitchFamily="18" charset="0"/>
+              </a:rPr>
+              <a:t>0</a:t>
+            </a:r>
+          </a:p>
+        </p:txBody>
+      </p:sp>
+      <p:sp>
+        <p:nvSpPr>
+          <p:cNvPr id="54" name="Rectangle 53">
+            <a:extLst>
+              <a:ext uri="{FF2B5EF4-FFF2-40B4-BE49-F238E27FC236}">
+                <a16:creationId xmlns:a16="http://schemas.microsoft.com/office/drawing/2014/main" id="{2D4F305F-00EF-47C6-AD2E-FF7590958E25}"/>
+              </a:ext>
+            </a:extLst>
+          </p:cNvPr>
+          <p:cNvSpPr/>
+          <p:nvPr/>
+        </p:nvSpPr>
+        <p:spPr>
+          <a:xfrm>
+            <a:off x="3812230" y="1672186"/>
+            <a:ext cx="266774" cy="369332"/>
+          </a:xfrm>
+          <a:prstGeom prst="rect">
+            <a:avLst/>
+          </a:prstGeom>
+        </p:spPr>
+        <p:txBody>
+          <a:bodyPr wrap="square">
+            <a:spAutoFit/>
+          </a:bodyPr>
+          <a:lstStyle/>
+          <a:p>
+            <a:r>
+              <a:rPr lang="en-US" dirty="0">
+                <a:latin typeface="Bernard MT Condensed" panose="02050806060905020404" pitchFamily="18" charset="0"/>
+              </a:rPr>
+              <a:t>1</a:t>
+            </a:r>
+          </a:p>
+        </p:txBody>
+      </p:sp>
+      <p:sp>
+        <p:nvSpPr>
+          <p:cNvPr id="56" name="Rectangle 55">
+            <a:extLst>
+              <a:ext uri="{FF2B5EF4-FFF2-40B4-BE49-F238E27FC236}">
+                <a16:creationId xmlns:a16="http://schemas.microsoft.com/office/drawing/2014/main" id="{E09BC9BC-5AAC-411F-8ADC-A38F9D7AF509}"/>
+              </a:ext>
+            </a:extLst>
+          </p:cNvPr>
+          <p:cNvSpPr/>
+          <p:nvPr/>
+        </p:nvSpPr>
+        <p:spPr>
+          <a:xfrm>
+            <a:off x="3773682" y="4437948"/>
+            <a:ext cx="266774" cy="369332"/>
+          </a:xfrm>
+          <a:prstGeom prst="rect">
+            <a:avLst/>
+          </a:prstGeom>
+        </p:spPr>
+        <p:txBody>
+          <a:bodyPr wrap="square">
+            <a:spAutoFit/>
+          </a:bodyPr>
+          <a:lstStyle/>
+          <a:p>
+            <a:r>
+              <a:rPr lang="en-US" dirty="0">
+                <a:latin typeface="Bernard MT Condensed" panose="02050806060905020404" pitchFamily="18" charset="0"/>
+              </a:rPr>
+              <a:t>2</a:t>
+            </a:r>
+          </a:p>
+        </p:txBody>
+      </p:sp>
+      <p:sp>
+        <p:nvSpPr>
+          <p:cNvPr id="66" name="Rectangle 65">
+            <a:extLst>
+              <a:ext uri="{FF2B5EF4-FFF2-40B4-BE49-F238E27FC236}">
+                <a16:creationId xmlns:a16="http://schemas.microsoft.com/office/drawing/2014/main" id="{3F79E7C1-1442-47EF-B32C-D08220FEB72A}"/>
+              </a:ext>
+            </a:extLst>
+          </p:cNvPr>
+          <p:cNvSpPr/>
+          <p:nvPr/>
+        </p:nvSpPr>
+        <p:spPr>
+          <a:xfrm>
+            <a:off x="5662976" y="602918"/>
+            <a:ext cx="266774" cy="369332"/>
+          </a:xfrm>
+          <a:prstGeom prst="rect">
+            <a:avLst/>
+          </a:prstGeom>
+        </p:spPr>
+        <p:txBody>
+          <a:bodyPr wrap="square">
+            <a:spAutoFit/>
+          </a:bodyPr>
+          <a:lstStyle/>
+          <a:p>
+            <a:r>
+              <a:rPr lang="en-US" dirty="0">
+                <a:latin typeface="Bernard MT Condensed" panose="02050806060905020404" pitchFamily="18" charset="0"/>
+              </a:rPr>
+              <a:t>3</a:t>
+            </a:r>
+          </a:p>
+        </p:txBody>
+      </p:sp>
+      <p:sp>
+        <p:nvSpPr>
+          <p:cNvPr id="67" name="Rectangle 66">
+            <a:extLst>
+              <a:ext uri="{FF2B5EF4-FFF2-40B4-BE49-F238E27FC236}">
+                <a16:creationId xmlns:a16="http://schemas.microsoft.com/office/drawing/2014/main" id="{4946F07F-4EEF-4F84-9351-9187D6496AE2}"/>
+              </a:ext>
+            </a:extLst>
+          </p:cNvPr>
+          <p:cNvSpPr/>
+          <p:nvPr/>
+        </p:nvSpPr>
+        <p:spPr>
+          <a:xfrm>
+            <a:off x="5664247" y="2242506"/>
+            <a:ext cx="266774" cy="369332"/>
+          </a:xfrm>
+          <a:prstGeom prst="rect">
+            <a:avLst/>
+          </a:prstGeom>
+        </p:spPr>
+        <p:txBody>
+          <a:bodyPr wrap="square">
+            <a:spAutoFit/>
+          </a:bodyPr>
+          <a:lstStyle/>
+          <a:p>
+            <a:r>
+              <a:rPr lang="en-US" dirty="0">
+                <a:latin typeface="Bernard MT Condensed" panose="02050806060905020404" pitchFamily="18" charset="0"/>
+              </a:rPr>
+              <a:t>4</a:t>
+            </a:r>
+          </a:p>
+        </p:txBody>
+      </p:sp>
+      <p:sp>
+        <p:nvSpPr>
+          <p:cNvPr id="68" name="Rectangle 67">
+            <a:extLst>
+              <a:ext uri="{FF2B5EF4-FFF2-40B4-BE49-F238E27FC236}">
+                <a16:creationId xmlns:a16="http://schemas.microsoft.com/office/drawing/2014/main" id="{04A836D0-FCD5-4CF5-9E65-EFB7F2350FA2}"/>
+              </a:ext>
+            </a:extLst>
+          </p:cNvPr>
+          <p:cNvSpPr/>
+          <p:nvPr/>
+        </p:nvSpPr>
+        <p:spPr>
+          <a:xfrm>
+            <a:off x="5690466" y="3564668"/>
+            <a:ext cx="266774" cy="369332"/>
+          </a:xfrm>
+          <a:prstGeom prst="rect">
+            <a:avLst/>
+          </a:prstGeom>
+        </p:spPr>
+        <p:txBody>
+          <a:bodyPr wrap="square">
+            <a:spAutoFit/>
+          </a:bodyPr>
+          <a:lstStyle/>
+          <a:p>
+            <a:r>
+              <a:rPr lang="en-US" dirty="0">
+                <a:latin typeface="Bernard MT Condensed" panose="02050806060905020404" pitchFamily="18" charset="0"/>
+              </a:rPr>
+              <a:t>5</a:t>
+            </a:r>
+          </a:p>
+        </p:txBody>
+      </p:sp>
+      <p:sp>
+        <p:nvSpPr>
+          <p:cNvPr id="69" name="Rectangle 68">
+            <a:extLst>
+              <a:ext uri="{FF2B5EF4-FFF2-40B4-BE49-F238E27FC236}">
+                <a16:creationId xmlns:a16="http://schemas.microsoft.com/office/drawing/2014/main" id="{36530588-B3B9-4B47-BBC5-BE3C037E82B4}"/>
+              </a:ext>
+            </a:extLst>
+          </p:cNvPr>
+          <p:cNvSpPr/>
+          <p:nvPr/>
+        </p:nvSpPr>
+        <p:spPr>
+          <a:xfrm>
+            <a:off x="5678621" y="4707798"/>
+            <a:ext cx="266774" cy="369332"/>
+          </a:xfrm>
+          <a:prstGeom prst="rect">
+            <a:avLst/>
+          </a:prstGeom>
+        </p:spPr>
+        <p:txBody>
+          <a:bodyPr wrap="square">
+            <a:spAutoFit/>
+          </a:bodyPr>
+          <a:lstStyle/>
+          <a:p>
+            <a:r>
+              <a:rPr lang="en-US" dirty="0">
+                <a:latin typeface="Bernard MT Condensed" panose="02050806060905020404" pitchFamily="18" charset="0"/>
+              </a:rPr>
+              <a:t>6</a:t>
+            </a:r>
+          </a:p>
+        </p:txBody>
+      </p:sp>
+      <p:sp>
+        <p:nvSpPr>
+          <p:cNvPr id="70" name="Rectangle 69">
+            <a:extLst>
+              <a:ext uri="{FF2B5EF4-FFF2-40B4-BE49-F238E27FC236}">
+                <a16:creationId xmlns:a16="http://schemas.microsoft.com/office/drawing/2014/main" id="{BB337D97-B8EA-41AC-8EEC-31925FF3FA93}"/>
+              </a:ext>
+            </a:extLst>
+          </p:cNvPr>
+          <p:cNvSpPr/>
+          <p:nvPr/>
+        </p:nvSpPr>
+        <p:spPr>
+          <a:xfrm>
+            <a:off x="5653530" y="6254340"/>
+            <a:ext cx="266774" cy="369332"/>
+          </a:xfrm>
+          <a:prstGeom prst="rect">
+            <a:avLst/>
+          </a:prstGeom>
+        </p:spPr>
+        <p:txBody>
+          <a:bodyPr wrap="square">
+            <a:spAutoFit/>
+          </a:bodyPr>
+          <a:lstStyle/>
+          <a:p>
+            <a:r>
+              <a:rPr lang="en-US" dirty="0">
+                <a:latin typeface="Bernard MT Condensed" panose="02050806060905020404" pitchFamily="18" charset="0"/>
+              </a:rPr>
+              <a:t>7</a:t>
+            </a:r>
+          </a:p>
+        </p:txBody>
+      </p:sp>
+    </p:spTree>
+    <p:extLst>
+      <p:ext uri="{BB962C8B-B14F-4D97-AF65-F5344CB8AC3E}">
+        <p14:creationId xmlns:p14="http://schemas.microsoft.com/office/powerpoint/2010/main" val="79405264"/>
+      </p:ext>
+    </p:extLst>
+  </p:cSld>
+  <p:clrMapOvr>
+    <a:masterClrMapping/>
+  </p:clrMapOvr>
+</p:sld>
+</file>
+
+<file path=ppt/slides/slide3.xml><?xml version="1.0" encoding="utf-8"?>
+<p:sld xmlns:a="http://schemas.openxmlformats.org/drawingml/2006/main" xmlns:r="http://schemas.openxmlformats.org/officeDocument/2006/relationships" xmlns:p="http://schemas.openxmlformats.org/presentationml/2006/main">
+  <p:cSld>
+    <p:spTree>
+      <p:nvGrpSpPr>
+        <p:cNvPr id="1" name=""/>
+        <p:cNvGrpSpPr/>
+        <p:nvPr/>
+      </p:nvGrpSpPr>
+      <p:grpSpPr>
+        <a:xfrm>
+          <a:off x="0" y="0"/>
+          <a:ext cx="0" cy="0"/>
+          <a:chOff x="0" y="0"/>
+          <a:chExt cx="0" cy="0"/>
+        </a:xfrm>
+      </p:grpSpPr>
+      <p:sp>
+        <p:nvSpPr>
+          <p:cNvPr id="2" name="Title 1">
+            <a:extLst>
+              <a:ext uri="{FF2B5EF4-FFF2-40B4-BE49-F238E27FC236}">
+                <a16:creationId xmlns:a16="http://schemas.microsoft.com/office/drawing/2014/main" id="{2179C257-C87C-4365-9A0E-70DCD498A5F0}"/>
+              </a:ext>
+            </a:extLst>
+          </p:cNvPr>
+          <p:cNvSpPr>
+            <a:spLocks noGrp="1"/>
+          </p:cNvSpPr>
+          <p:nvPr>
+            <p:ph type="title"/>
+          </p:nvPr>
+        </p:nvSpPr>
+        <p:spPr/>
+        <p:txBody>
+          <a:bodyPr/>
+          <a:lstStyle/>
+          <a:p>
+            <a:endParaRPr lang="en-US"/>
+          </a:p>
+        </p:txBody>
+      </p:sp>
+      <p:sp>
+        <p:nvSpPr>
+          <p:cNvPr id="3" name="Content Placeholder 2">
+            <a:extLst>
+              <a:ext uri="{FF2B5EF4-FFF2-40B4-BE49-F238E27FC236}">
+                <a16:creationId xmlns:a16="http://schemas.microsoft.com/office/drawing/2014/main" id="{668BD293-9642-4516-8E2D-BEB849FE3425}"/>
+              </a:ext>
+            </a:extLst>
+          </p:cNvPr>
+          <p:cNvSpPr>
+            <a:spLocks noGrp="1"/>
+          </p:cNvSpPr>
+          <p:nvPr>
+            <p:ph idx="1"/>
+          </p:nvPr>
+        </p:nvSpPr>
+        <p:spPr/>
+        <p:txBody>
+          <a:bodyPr/>
+          <a:lstStyle/>
+          <a:p>
+            <a:endParaRPr lang="en-US"/>
+          </a:p>
+        </p:txBody>
+      </p:sp>
+    </p:spTree>
+    <p:extLst>
+      <p:ext uri="{BB962C8B-B14F-4D97-AF65-F5344CB8AC3E}">
+        <p14:creationId xmlns:p14="http://schemas.microsoft.com/office/powerpoint/2010/main" val="17154848"/>
+      </p:ext>
+    </p:extLst>
+  </p:cSld>
+  <p:clrMapOvr>
+    <a:masterClrMapping/>
+  </p:clrMapOvr>
+</p:sld>
+</file>
+
 <file path=ppt/theme/theme1.xml><?xml version="1.0" encoding="utf-8"?>
 <a:theme xmlns:a="http://schemas.openxmlformats.org/drawingml/2006/main" name="Office Theme">
   <a:themeElements>
